--- a/Documents/illustration UI.pptx
+++ b/Documents/illustration UI.pptx
@@ -4943,7 +4943,7 @@
         </p:nvSpPr>
         <p:spPr>
           <a:xfrm>
-            <a:off x="2015812" y="4701294"/>
+            <a:off x="2015812" y="4738616"/>
             <a:ext cx="1678801" cy="369332"/>
           </a:xfrm>
           <a:prstGeom prst="rect">
